--- a/Daily Agendas/Day13.1_PythonFileAccess3.pptx
+++ b/Daily Agendas/Day13.1_PythonFileAccess3.pptx
@@ -304,7 +304,7 @@
             <a:fld id="{1D8BD707-D9CF-40AE-B4C6-C98DA3205C09}" type="datetimeFigureOut">
               <a:rPr lang="en-US" smtClean="0"/>
               <a:pPr/>
-              <a:t>11/26/2018</a:t>
+              <a:t>11/29/2018</a:t>
             </a:fld>
             <a:endParaRPr lang="en-US"/>
           </a:p>
@@ -469,7 +469,7 @@
             <a:fld id="{1D8BD707-D9CF-40AE-B4C6-C98DA3205C09}" type="datetimeFigureOut">
               <a:rPr lang="en-US" smtClean="0"/>
               <a:pPr/>
-              <a:t>11/26/2018</a:t>
+              <a:t>11/29/2018</a:t>
             </a:fld>
             <a:endParaRPr lang="en-US"/>
           </a:p>
@@ -644,7 +644,7 @@
             <a:fld id="{1D8BD707-D9CF-40AE-B4C6-C98DA3205C09}" type="datetimeFigureOut">
               <a:rPr lang="en-US" smtClean="0"/>
               <a:pPr/>
-              <a:t>11/26/2018</a:t>
+              <a:t>11/29/2018</a:t>
             </a:fld>
             <a:endParaRPr lang="en-US"/>
           </a:p>
@@ -809,7 +809,7 @@
             <a:fld id="{1D8BD707-D9CF-40AE-B4C6-C98DA3205C09}" type="datetimeFigureOut">
               <a:rPr lang="en-US" smtClean="0"/>
               <a:pPr/>
-              <a:t>11/26/2018</a:t>
+              <a:t>11/29/2018</a:t>
             </a:fld>
             <a:endParaRPr lang="en-US"/>
           </a:p>
@@ -1051,7 +1051,7 @@
             <a:fld id="{1D8BD707-D9CF-40AE-B4C6-C98DA3205C09}" type="datetimeFigureOut">
               <a:rPr lang="en-US" smtClean="0"/>
               <a:pPr/>
-              <a:t>11/26/2018</a:t>
+              <a:t>11/29/2018</a:t>
             </a:fld>
             <a:endParaRPr lang="en-US"/>
           </a:p>
@@ -1333,7 +1333,7 @@
             <a:fld id="{1D8BD707-D9CF-40AE-B4C6-C98DA3205C09}" type="datetimeFigureOut">
               <a:rPr lang="en-US" smtClean="0"/>
               <a:pPr/>
-              <a:t>11/26/2018</a:t>
+              <a:t>11/29/2018</a:t>
             </a:fld>
             <a:endParaRPr lang="en-US"/>
           </a:p>
@@ -1749,7 +1749,7 @@
             <a:fld id="{1D8BD707-D9CF-40AE-B4C6-C98DA3205C09}" type="datetimeFigureOut">
               <a:rPr lang="en-US" smtClean="0"/>
               <a:pPr/>
-              <a:t>11/26/2018</a:t>
+              <a:t>11/29/2018</a:t>
             </a:fld>
             <a:endParaRPr lang="en-US"/>
           </a:p>
@@ -1863,7 +1863,7 @@
             <a:fld id="{1D8BD707-D9CF-40AE-B4C6-C98DA3205C09}" type="datetimeFigureOut">
               <a:rPr lang="en-US" smtClean="0"/>
               <a:pPr/>
-              <a:t>11/26/2018</a:t>
+              <a:t>11/29/2018</a:t>
             </a:fld>
             <a:endParaRPr lang="en-US"/>
           </a:p>
@@ -1955,7 +1955,7 @@
             <a:fld id="{1D8BD707-D9CF-40AE-B4C6-C98DA3205C09}" type="datetimeFigureOut">
               <a:rPr lang="en-US" smtClean="0"/>
               <a:pPr/>
-              <a:t>11/26/2018</a:t>
+              <a:t>11/29/2018</a:t>
             </a:fld>
             <a:endParaRPr lang="en-US"/>
           </a:p>
@@ -2227,7 +2227,7 @@
             <a:fld id="{1D8BD707-D9CF-40AE-B4C6-C98DA3205C09}" type="datetimeFigureOut">
               <a:rPr lang="en-US" smtClean="0"/>
               <a:pPr/>
-              <a:t>11/26/2018</a:t>
+              <a:t>11/29/2018</a:t>
             </a:fld>
             <a:endParaRPr lang="en-US"/>
           </a:p>
@@ -2476,7 +2476,7 @@
             <a:fld id="{1D8BD707-D9CF-40AE-B4C6-C98DA3205C09}" type="datetimeFigureOut">
               <a:rPr lang="en-US" smtClean="0"/>
               <a:pPr/>
-              <a:t>11/26/2018</a:t>
+              <a:t>11/29/2018</a:t>
             </a:fld>
             <a:endParaRPr lang="en-US"/>
           </a:p>
@@ -2684,7 +2684,7 @@
             <a:fld id="{1D8BD707-D9CF-40AE-B4C6-C98DA3205C09}" type="datetimeFigureOut">
               <a:rPr lang="en-US" smtClean="0"/>
               <a:pPr/>
-              <a:t>11/26/2018</a:t>
+              <a:t>11/29/2018</a:t>
             </a:fld>
             <a:endParaRPr lang="en-US"/>
           </a:p>
@@ -3127,7 +3127,6 @@
               <a:rPr lang="en-CA" dirty="0" smtClean="0"/>
               <a:t>Presentation / Debrief : File Access</a:t>
             </a:r>
-            <a:endParaRPr lang="en-CA" dirty="0" smtClean="0"/>
           </a:p>
           <a:p>
             <a:pPr lvl="1"/>
@@ -3140,7 +3139,30 @@
             <a:pPr lvl="2"/>
             <a:r>
               <a:rPr lang="en-CA" dirty="0" smtClean="0"/>
-              <a:t>Level 1 : Reading a Text </a:t>
+              <a:t>Level 1 : Reading a Text File</a:t>
+            </a:r>
+          </a:p>
+          <a:p>
+            <a:pPr lvl="2"/>
+            <a:r>
+              <a:rPr lang="en-CA" dirty="0"/>
+              <a:t>Level </a:t>
+            </a:r>
+            <a:r>
+              <a:rPr lang="en-CA" dirty="0" smtClean="0"/>
+              <a:t>2 </a:t>
+            </a:r>
+            <a:r>
+              <a:rPr lang="en-CA" dirty="0"/>
+              <a:t>: </a:t>
+            </a:r>
+            <a:r>
+              <a:rPr lang="en-CA" dirty="0" smtClean="0"/>
+              <a:t>Writing </a:t>
+            </a:r>
+            <a:r>
+              <a:rPr lang="en-CA" dirty="0"/>
+              <a:t>a Text </a:t>
             </a:r>
             <a:r>
               <a:rPr lang="en-CA" dirty="0" smtClean="0"/>
@@ -3148,34 +3170,6 @@
             </a:r>
           </a:p>
           <a:p>
-            <a:pPr lvl="2"/>
-            <a:r>
-              <a:rPr lang="en-CA" dirty="0"/>
-              <a:t>Level </a:t>
-            </a:r>
-            <a:r>
-              <a:rPr lang="en-CA" dirty="0" smtClean="0"/>
-              <a:t>2 </a:t>
-            </a:r>
-            <a:r>
-              <a:rPr lang="en-CA" dirty="0"/>
-              <a:t>: </a:t>
-            </a:r>
-            <a:r>
-              <a:rPr lang="en-CA" dirty="0" smtClean="0"/>
-              <a:t>Writing </a:t>
-            </a:r>
-            <a:r>
-              <a:rPr lang="en-CA" dirty="0"/>
-              <a:t>a Text </a:t>
-            </a:r>
-            <a:r>
-              <a:rPr lang="en-CA" dirty="0" smtClean="0"/>
-              <a:t>File</a:t>
-            </a:r>
-            <a:endParaRPr lang="en-CA" dirty="0" smtClean="0"/>
-          </a:p>
-          <a:p>
             <a:pPr lvl="1"/>
             <a:r>
               <a:rPr lang="en-CA" dirty="0" smtClean="0"/>
@@ -3215,23 +3209,7 @@
             <a:pPr lvl="1"/>
             <a:r>
               <a:rPr lang="en-CA" sz="2400" dirty="0" smtClean="0"/>
-              <a:t>Tomorrow: </a:t>
-            </a:r>
-            <a:r>
-              <a:rPr lang="en-CA" sz="2400" dirty="0" smtClean="0"/>
-              <a:t>Module B.5 Level </a:t>
-            </a:r>
-            <a:r>
-              <a:rPr lang="en-CA" sz="2400" dirty="0" smtClean="0"/>
-              <a:t>3 </a:t>
-            </a:r>
-            <a:r>
-              <a:rPr lang="en-CA" sz="2400" dirty="0" smtClean="0"/>
-              <a:t>– </a:t>
-            </a:r>
-            <a:r>
-              <a:rPr lang="en-CA" sz="2400" dirty="0" smtClean="0"/>
-              <a:t>Binary Files</a:t>
+              <a:t>Tomorrow: Module B.5 Level 3 – Binary Files</a:t>
             </a:r>
             <a:endParaRPr lang="en-US" sz="2400" dirty="0"/>
           </a:p>
@@ -3297,7 +3275,11 @@
             </a:r>
             <a:r>
               <a:rPr lang="en-US" dirty="0" smtClean="0"/>
-              <a:t>23</a:t>
+              <a:t>26</a:t>
+            </a:r>
+            <a:r>
+              <a:rPr lang="en-US" dirty="0" smtClean="0"/>
+              <a:t/>
             </a:r>
             <a:br>
               <a:rPr lang="en-US" dirty="0" smtClean="0"/>
@@ -3326,7 +3308,7 @@
         <p:spPr/>
         <p:txBody>
           <a:bodyPr>
-            <a:normAutofit lnSpcReduction="10000"/>
+            <a:normAutofit/>
           </a:bodyPr>
           <a:lstStyle/>
           <a:p>
@@ -3339,24 +3321,16 @@
           <a:p>
             <a:pPr lvl="1"/>
             <a:r>
-              <a:rPr lang="en-CA" dirty="0"/>
-              <a:t>Volunteer Fair 2:25 – </a:t>
-            </a:r>
-            <a:r>
-              <a:rPr lang="en-CA" dirty="0" smtClean="0"/>
-              <a:t>2:40</a:t>
-            </a:r>
-            <a:endParaRPr lang="en-US" dirty="0"/>
-          </a:p>
-          <a:p>
-            <a:pPr lvl="1"/>
-            <a:r>
-              <a:rPr lang="en-US" dirty="0" err="1" smtClean="0"/>
+              <a:rPr lang="en-US" smtClean="0"/>
               <a:t>TicTacToe</a:t>
             </a:r>
             <a:r>
               <a:rPr lang="en-US" dirty="0" smtClean="0"/>
-              <a:t> Project – Coding</a:t>
+              <a:t> </a:t>
+            </a:r>
+            <a:r>
+              <a:rPr lang="en-US" dirty="0" smtClean="0"/>
+              <a:t>Project – Coding</a:t>
             </a:r>
           </a:p>
           <a:p>
